--- a/homework/HW1/group4/b08507008.pptx
+++ b/homework/HW1/group4/b08507008.pptx
@@ -7,11 +7,14 @@
   <p:sldIdLst>
     <p:sldId id="256" r:id="rId2"/>
     <p:sldId id="257" r:id="rId3"/>
-    <p:sldId id="258" r:id="rId4"/>
-    <p:sldId id="259" r:id="rId5"/>
-    <p:sldId id="260" r:id="rId6"/>
-    <p:sldId id="261" r:id="rId7"/>
-    <p:sldId id="262" r:id="rId8"/>
+    <p:sldId id="265" r:id="rId4"/>
+    <p:sldId id="258" r:id="rId5"/>
+    <p:sldId id="259" r:id="rId6"/>
+    <p:sldId id="260" r:id="rId7"/>
+    <p:sldId id="261" r:id="rId8"/>
+    <p:sldId id="262" r:id="rId9"/>
+    <p:sldId id="263" r:id="rId10"/>
+    <p:sldId id="264" r:id="rId11"/>
   </p:sldIdLst>
   <p:sldSz cx="12192000" cy="6858000"/>
   <p:notesSz cx="6858000" cy="9144000"/>
@@ -110,6 +113,11 @@
       </a:defRPr>
     </a:lvl9pPr>
   </p:defaultTextStyle>
+  <p:extLst>
+    <p:ext uri="{EFAFB233-063F-42B5-8137-9DF3F51BA10A}">
+      <p15:sldGuideLst xmlns:p15="http://schemas.microsoft.com/office/powerpoint/2012/main"/>
+    </p:ext>
+  </p:extLst>
 </p:presentation>
 </file>
 
@@ -163,7 +171,7 @@
           <a:noFill/>
           <a:extLst>
             <a:ext uri="{909E8E84-426E-40dd-AFC4-6F175D3DCCD1}">
-              <a14:hiddenFill xmlns:a14="http://schemas.microsoft.com/office/drawing/2010/main" xmlns="">
+              <a14:hiddenFill xmlns="" xmlns:a14="http://schemas.microsoft.com/office/drawing/2010/main">
                 <a:solidFill>
                   <a:srgbClr val="FFFFFF"/>
                 </a:solidFill>
@@ -223,7 +231,7 @@
             </a:ln>
             <a:extLst>
               <a:ext uri="{91240B29-F687-4f45-9708-019B960494DF}">
-                <a14:hiddenLine xmlns:a14="http://schemas.microsoft.com/office/drawing/2010/main" xmlns="" w="9525">
+                <a14:hiddenLine xmlns="" xmlns:a14="http://schemas.microsoft.com/office/drawing/2010/main" w="9525">
                   <a:solidFill>
                     <a:srgbClr val="000000"/>
                   </a:solidFill>
@@ -313,7 +321,7 @@
             </a:ln>
             <a:extLst>
               <a:ext uri="{91240B29-F687-4f45-9708-019B960494DF}">
-                <a14:hiddenLine xmlns:a14="http://schemas.microsoft.com/office/drawing/2010/main" xmlns="" w="9525">
+                <a14:hiddenLine xmlns="" xmlns:a14="http://schemas.microsoft.com/office/drawing/2010/main" w="9525">
                   <a:solidFill>
                     <a:srgbClr val="000000"/>
                   </a:solidFill>
@@ -403,7 +411,7 @@
             </a:ln>
             <a:extLst>
               <a:ext uri="{91240B29-F687-4f45-9708-019B960494DF}">
-                <a14:hiddenLine xmlns:a14="http://schemas.microsoft.com/office/drawing/2010/main" xmlns="" w="9525">
+                <a14:hiddenLine xmlns="" xmlns:a14="http://schemas.microsoft.com/office/drawing/2010/main" w="9525">
                   <a:solidFill>
                     <a:srgbClr val="000000"/>
                   </a:solidFill>
@@ -437,7 +445,7 @@
             </a:ln>
             <a:extLst>
               <a:ext uri="{91240B29-F687-4f45-9708-019B960494DF}">
-                <a14:hiddenLine xmlns:a14="http://schemas.microsoft.com/office/drawing/2010/main" xmlns="" w="9525">
+                <a14:hiddenLine xmlns="" xmlns:a14="http://schemas.microsoft.com/office/drawing/2010/main" w="9525">
                   <a:solidFill>
                     <a:srgbClr val="000000"/>
                   </a:solidFill>
@@ -527,7 +535,7 @@
             </a:ln>
             <a:extLst>
               <a:ext uri="{91240B29-F687-4f45-9708-019B960494DF}">
-                <a14:hiddenLine xmlns:a14="http://schemas.microsoft.com/office/drawing/2010/main" xmlns="" w="9525">
+                <a14:hiddenLine xmlns="" xmlns:a14="http://schemas.microsoft.com/office/drawing/2010/main" w="9525">
                   <a:solidFill>
                     <a:srgbClr val="000000"/>
                   </a:solidFill>
@@ -589,7 +597,7 @@
             </a:ln>
             <a:extLst>
               <a:ext uri="{91240B29-F687-4f45-9708-019B960494DF}">
-                <a14:hiddenLine xmlns:a14="http://schemas.microsoft.com/office/drawing/2010/main" xmlns="" w="9525">
+                <a14:hiddenLine xmlns="" xmlns:a14="http://schemas.microsoft.com/office/drawing/2010/main" w="9525">
                   <a:solidFill>
                     <a:srgbClr val="000000"/>
                   </a:solidFill>
@@ -651,7 +659,7 @@
             </a:ln>
             <a:extLst>
               <a:ext uri="{91240B29-F687-4f45-9708-019B960494DF}">
-                <a14:hiddenLine xmlns:a14="http://schemas.microsoft.com/office/drawing/2010/main" xmlns="" w="9525">
+                <a14:hiddenLine xmlns="" xmlns:a14="http://schemas.microsoft.com/office/drawing/2010/main" w="9525">
                   <a:solidFill>
                     <a:srgbClr val="000000"/>
                   </a:solidFill>
@@ -741,7 +749,7 @@
             </a:ln>
             <a:extLst>
               <a:ext uri="{91240B29-F687-4f45-9708-019B960494DF}">
-                <a14:hiddenLine xmlns:a14="http://schemas.microsoft.com/office/drawing/2010/main" xmlns="" w="9525">
+                <a14:hiddenLine xmlns="" xmlns:a14="http://schemas.microsoft.com/office/drawing/2010/main" w="9525">
                   <a:solidFill>
                     <a:srgbClr val="000000"/>
                   </a:solidFill>
@@ -803,7 +811,7 @@
             </a:ln>
             <a:extLst>
               <a:ext uri="{91240B29-F687-4f45-9708-019B960494DF}">
-                <a14:hiddenLine xmlns:a14="http://schemas.microsoft.com/office/drawing/2010/main" xmlns="" w="9525">
+                <a14:hiddenLine xmlns="" xmlns:a14="http://schemas.microsoft.com/office/drawing/2010/main" w="9525">
                   <a:solidFill>
                     <a:srgbClr val="000000"/>
                   </a:solidFill>
@@ -865,7 +873,7 @@
             </a:ln>
             <a:extLst>
               <a:ext uri="{91240B29-F687-4f45-9708-019B960494DF}">
-                <a14:hiddenLine xmlns:a14="http://schemas.microsoft.com/office/drawing/2010/main" xmlns="" w="9525">
+                <a14:hiddenLine xmlns="" xmlns:a14="http://schemas.microsoft.com/office/drawing/2010/main" w="9525">
                   <a:solidFill>
                     <a:srgbClr val="000000"/>
                   </a:solidFill>
@@ -955,7 +963,7 @@
             </a:ln>
             <a:extLst>
               <a:ext uri="{91240B29-F687-4f45-9708-019B960494DF}">
-                <a14:hiddenLine xmlns:a14="http://schemas.microsoft.com/office/drawing/2010/main" xmlns="" w="9525">
+                <a14:hiddenLine xmlns="" xmlns:a14="http://schemas.microsoft.com/office/drawing/2010/main" w="9525">
                   <a:solidFill>
                     <a:srgbClr val="000000"/>
                   </a:solidFill>
@@ -1045,7 +1053,7 @@
             </a:ln>
             <a:extLst>
               <a:ext uri="{91240B29-F687-4f45-9708-019B960494DF}">
-                <a14:hiddenLine xmlns:a14="http://schemas.microsoft.com/office/drawing/2010/main" xmlns="" w="9525">
+                <a14:hiddenLine xmlns="" xmlns:a14="http://schemas.microsoft.com/office/drawing/2010/main" w="9525">
                   <a:solidFill>
                     <a:srgbClr val="000000"/>
                   </a:solidFill>
@@ -1107,7 +1115,7 @@
             </a:ln>
             <a:extLst>
               <a:ext uri="{91240B29-F687-4f45-9708-019B960494DF}">
-                <a14:hiddenLine xmlns:a14="http://schemas.microsoft.com/office/drawing/2010/main" xmlns="" w="9525">
+                <a14:hiddenLine xmlns="" xmlns:a14="http://schemas.microsoft.com/office/drawing/2010/main" w="9525">
                   <a:solidFill>
                     <a:srgbClr val="000000"/>
                   </a:solidFill>
@@ -1217,7 +1225,7 @@
             </a:ln>
             <a:extLst>
               <a:ext uri="{91240B29-F687-4f45-9708-019B960494DF}">
-                <a14:hiddenLine xmlns:a14="http://schemas.microsoft.com/office/drawing/2010/main" xmlns="" w="9525">
+                <a14:hiddenLine xmlns="" xmlns:a14="http://schemas.microsoft.com/office/drawing/2010/main" w="9525">
                   <a:solidFill>
                     <a:srgbClr val="000000"/>
                   </a:solidFill>
@@ -1279,7 +1287,7 @@
             </a:ln>
             <a:extLst>
               <a:ext uri="{91240B29-F687-4f45-9708-019B960494DF}">
-                <a14:hiddenLine xmlns:a14="http://schemas.microsoft.com/office/drawing/2010/main" xmlns="" w="9525">
+                <a14:hiddenLine xmlns="" xmlns:a14="http://schemas.microsoft.com/office/drawing/2010/main" w="9525">
                   <a:solidFill>
                     <a:srgbClr val="000000"/>
                   </a:solidFill>
@@ -1369,7 +1377,7 @@
             </a:ln>
             <a:extLst>
               <a:ext uri="{91240B29-F687-4f45-9708-019B960494DF}">
-                <a14:hiddenLine xmlns:a14="http://schemas.microsoft.com/office/drawing/2010/main" xmlns="" w="9525">
+                <a14:hiddenLine xmlns="" xmlns:a14="http://schemas.microsoft.com/office/drawing/2010/main" w="9525">
                   <a:solidFill>
                     <a:srgbClr val="000000"/>
                   </a:solidFill>
@@ -1459,7 +1467,7 @@
             </a:ln>
             <a:extLst>
               <a:ext uri="{91240B29-F687-4f45-9708-019B960494DF}">
-                <a14:hiddenLine xmlns:a14="http://schemas.microsoft.com/office/drawing/2010/main" xmlns="" w="9525">
+                <a14:hiddenLine xmlns="" xmlns:a14="http://schemas.microsoft.com/office/drawing/2010/main" w="9525">
                   <a:solidFill>
                     <a:srgbClr val="000000"/>
                   </a:solidFill>
@@ -1521,7 +1529,7 @@
             </a:ln>
             <a:extLst>
               <a:ext uri="{91240B29-F687-4f45-9708-019B960494DF}">
-                <a14:hiddenLine xmlns:a14="http://schemas.microsoft.com/office/drawing/2010/main" xmlns="" w="9525">
+                <a14:hiddenLine xmlns="" xmlns:a14="http://schemas.microsoft.com/office/drawing/2010/main" w="9525">
                   <a:solidFill>
                     <a:srgbClr val="000000"/>
                   </a:solidFill>
@@ -1611,7 +1619,7 @@
             </a:ln>
             <a:extLst>
               <a:ext uri="{91240B29-F687-4f45-9708-019B960494DF}">
-                <a14:hiddenLine xmlns:a14="http://schemas.microsoft.com/office/drawing/2010/main" xmlns="" w="9525">
+                <a14:hiddenLine xmlns="" xmlns:a14="http://schemas.microsoft.com/office/drawing/2010/main" w="9525">
                   <a:solidFill>
                     <a:srgbClr val="000000"/>
                   </a:solidFill>
@@ -1701,7 +1709,7 @@
             </a:ln>
             <a:extLst>
               <a:ext uri="{91240B29-F687-4f45-9708-019B960494DF}">
-                <a14:hiddenLine xmlns:a14="http://schemas.microsoft.com/office/drawing/2010/main" xmlns="" w="9525">
+                <a14:hiddenLine xmlns="" xmlns:a14="http://schemas.microsoft.com/office/drawing/2010/main" w="9525">
                   <a:solidFill>
                     <a:srgbClr val="000000"/>
                   </a:solidFill>
@@ -1757,7 +1765,7 @@
             </a:ln>
             <a:extLst>
               <a:ext uri="{91240B29-F687-4f45-9708-019B960494DF}">
-                <a14:hiddenLine xmlns:a14="http://schemas.microsoft.com/office/drawing/2010/main" xmlns="" w="9525">
+                <a14:hiddenLine xmlns="" xmlns:a14="http://schemas.microsoft.com/office/drawing/2010/main" w="9525">
                   <a:solidFill>
                     <a:srgbClr val="000000"/>
                   </a:solidFill>
@@ -1847,7 +1855,7 @@
             </a:ln>
             <a:extLst>
               <a:ext uri="{91240B29-F687-4f45-9708-019B960494DF}">
-                <a14:hiddenLine xmlns:a14="http://schemas.microsoft.com/office/drawing/2010/main" xmlns="" w="9525">
+                <a14:hiddenLine xmlns="" xmlns:a14="http://schemas.microsoft.com/office/drawing/2010/main" w="9525">
                   <a:solidFill>
                     <a:srgbClr val="000000"/>
                   </a:solidFill>
@@ -1903,7 +1911,7 @@
             </a:ln>
             <a:extLst>
               <a:ext uri="{91240B29-F687-4f45-9708-019B960494DF}">
-                <a14:hiddenLine xmlns:a14="http://schemas.microsoft.com/office/drawing/2010/main" xmlns="" w="9525">
+                <a14:hiddenLine xmlns="" xmlns:a14="http://schemas.microsoft.com/office/drawing/2010/main" w="9525">
                   <a:solidFill>
                     <a:srgbClr val="000000"/>
                   </a:solidFill>
@@ -1993,7 +2001,7 @@
             </a:ln>
             <a:extLst>
               <a:ext uri="{91240B29-F687-4f45-9708-019B960494DF}">
-                <a14:hiddenLine xmlns:a14="http://schemas.microsoft.com/office/drawing/2010/main" xmlns="" w="9525">
+                <a14:hiddenLine xmlns="" xmlns:a14="http://schemas.microsoft.com/office/drawing/2010/main" w="9525">
                   <a:solidFill>
                     <a:srgbClr val="000000"/>
                   </a:solidFill>
@@ -2061,7 +2069,7 @@
             </a:ln>
             <a:extLst>
               <a:ext uri="{91240B29-F687-4f45-9708-019B960494DF}">
-                <a14:hiddenLine xmlns:a14="http://schemas.microsoft.com/office/drawing/2010/main" xmlns="" w="9525">
+                <a14:hiddenLine xmlns="" xmlns:a14="http://schemas.microsoft.com/office/drawing/2010/main" w="9525">
                   <a:solidFill>
                     <a:srgbClr val="000000"/>
                   </a:solidFill>
@@ -2151,7 +2159,7 @@
             </a:ln>
             <a:extLst>
               <a:ext uri="{91240B29-F687-4f45-9708-019B960494DF}">
-                <a14:hiddenLine xmlns:a14="http://schemas.microsoft.com/office/drawing/2010/main" xmlns="" w="9525">
+                <a14:hiddenLine xmlns="" xmlns:a14="http://schemas.microsoft.com/office/drawing/2010/main" w="9525">
                   <a:solidFill>
                     <a:srgbClr val="000000"/>
                   </a:solidFill>
@@ -2219,7 +2227,7 @@
             </a:ln>
             <a:extLst>
               <a:ext uri="{91240B29-F687-4f45-9708-019B960494DF}">
-                <a14:hiddenLine xmlns:a14="http://schemas.microsoft.com/office/drawing/2010/main" xmlns="" w="9525">
+                <a14:hiddenLine xmlns="" xmlns:a14="http://schemas.microsoft.com/office/drawing/2010/main" w="9525">
                   <a:solidFill>
                     <a:srgbClr val="000000"/>
                   </a:solidFill>
@@ -2309,7 +2317,7 @@
             </a:ln>
             <a:extLst>
               <a:ext uri="{91240B29-F687-4f45-9708-019B960494DF}">
-                <a14:hiddenLine xmlns:a14="http://schemas.microsoft.com/office/drawing/2010/main" xmlns="" w="9525">
+                <a14:hiddenLine xmlns="" xmlns:a14="http://schemas.microsoft.com/office/drawing/2010/main" w="9525">
                   <a:solidFill>
                     <a:srgbClr val="000000"/>
                   </a:solidFill>
@@ -2343,7 +2351,7 @@
             </a:ln>
             <a:extLst>
               <a:ext uri="{91240B29-F687-4f45-9708-019B960494DF}">
-                <a14:hiddenLine xmlns:a14="http://schemas.microsoft.com/office/drawing/2010/main" xmlns="" w="9525">
+                <a14:hiddenLine xmlns="" xmlns:a14="http://schemas.microsoft.com/office/drawing/2010/main" w="9525">
                   <a:solidFill>
                     <a:srgbClr val="000000"/>
                   </a:solidFill>
@@ -2433,7 +2441,7 @@
             </a:ln>
             <a:extLst>
               <a:ext uri="{91240B29-F687-4f45-9708-019B960494DF}">
-                <a14:hiddenLine xmlns:a14="http://schemas.microsoft.com/office/drawing/2010/main" xmlns="" w="9525">
+                <a14:hiddenLine xmlns="" xmlns:a14="http://schemas.microsoft.com/office/drawing/2010/main" w="9525">
                   <a:solidFill>
                     <a:srgbClr val="000000"/>
                   </a:solidFill>
@@ -2495,7 +2503,7 @@
             </a:ln>
             <a:extLst>
               <a:ext uri="{91240B29-F687-4f45-9708-019B960494DF}">
-                <a14:hiddenLine xmlns:a14="http://schemas.microsoft.com/office/drawing/2010/main" xmlns="" w="9525">
+                <a14:hiddenLine xmlns="" xmlns:a14="http://schemas.microsoft.com/office/drawing/2010/main" w="9525">
                   <a:solidFill>
                     <a:srgbClr val="000000"/>
                   </a:solidFill>
@@ -2557,7 +2565,7 @@
             </a:ln>
             <a:extLst>
               <a:ext uri="{91240B29-F687-4f45-9708-019B960494DF}">
-                <a14:hiddenLine xmlns:a14="http://schemas.microsoft.com/office/drawing/2010/main" xmlns="" w="9525">
+                <a14:hiddenLine xmlns="" xmlns:a14="http://schemas.microsoft.com/office/drawing/2010/main" w="9525">
                   <a:solidFill>
                     <a:srgbClr val="000000"/>
                   </a:solidFill>
@@ -2647,7 +2655,7 @@
             </a:ln>
             <a:extLst>
               <a:ext uri="{91240B29-F687-4f45-9708-019B960494DF}">
-                <a14:hiddenLine xmlns:a14="http://schemas.microsoft.com/office/drawing/2010/main" xmlns="" w="9525">
+                <a14:hiddenLine xmlns="" xmlns:a14="http://schemas.microsoft.com/office/drawing/2010/main" w="9525">
                   <a:solidFill>
                     <a:srgbClr val="000000"/>
                   </a:solidFill>
@@ -2715,7 +2723,7 @@
             </a:ln>
             <a:extLst>
               <a:ext uri="{91240B29-F687-4f45-9708-019B960494DF}">
-                <a14:hiddenLine xmlns:a14="http://schemas.microsoft.com/office/drawing/2010/main" xmlns="" w="9525">
+                <a14:hiddenLine xmlns="" xmlns:a14="http://schemas.microsoft.com/office/drawing/2010/main" w="9525">
                   <a:solidFill>
                     <a:srgbClr val="000000"/>
                   </a:solidFill>
@@ -2777,7 +2785,7 @@
             </a:ln>
             <a:extLst>
               <a:ext uri="{91240B29-F687-4f45-9708-019B960494DF}">
-                <a14:hiddenLine xmlns:a14="http://schemas.microsoft.com/office/drawing/2010/main" xmlns="" w="9525">
+                <a14:hiddenLine xmlns="" xmlns:a14="http://schemas.microsoft.com/office/drawing/2010/main" w="9525">
                   <a:solidFill>
                     <a:srgbClr val="000000"/>
                   </a:solidFill>
@@ -2867,7 +2875,7 @@
             </a:ln>
             <a:extLst>
               <a:ext uri="{91240B29-F687-4f45-9708-019B960494DF}">
-                <a14:hiddenLine xmlns:a14="http://schemas.microsoft.com/office/drawing/2010/main" xmlns="" w="9525">
+                <a14:hiddenLine xmlns="" xmlns:a14="http://schemas.microsoft.com/office/drawing/2010/main" w="9525">
                   <a:solidFill>
                     <a:srgbClr val="000000"/>
                   </a:solidFill>
@@ -2929,7 +2937,7 @@
             </a:ln>
             <a:extLst>
               <a:ext uri="{91240B29-F687-4f45-9708-019B960494DF}">
-                <a14:hiddenLine xmlns:a14="http://schemas.microsoft.com/office/drawing/2010/main" xmlns="" w="9525">
+                <a14:hiddenLine xmlns="" xmlns:a14="http://schemas.microsoft.com/office/drawing/2010/main" w="9525">
                   <a:solidFill>
                     <a:srgbClr val="000000"/>
                   </a:solidFill>
@@ -3019,7 +3027,7 @@
             </a:ln>
             <a:extLst>
               <a:ext uri="{91240B29-F687-4f45-9708-019B960494DF}">
-                <a14:hiddenLine xmlns:a14="http://schemas.microsoft.com/office/drawing/2010/main" xmlns="" w="9525">
+                <a14:hiddenLine xmlns="" xmlns:a14="http://schemas.microsoft.com/office/drawing/2010/main" w="9525">
                   <a:solidFill>
                     <a:srgbClr val="000000"/>
                   </a:solidFill>
@@ -3081,7 +3089,7 @@
             </a:ln>
             <a:extLst>
               <a:ext uri="{91240B29-F687-4f45-9708-019B960494DF}">
-                <a14:hiddenLine xmlns:a14="http://schemas.microsoft.com/office/drawing/2010/main" xmlns="" w="9525">
+                <a14:hiddenLine xmlns="" xmlns:a14="http://schemas.microsoft.com/office/drawing/2010/main" w="9525">
                   <a:solidFill>
                     <a:srgbClr val="000000"/>
                   </a:solidFill>
@@ -3171,7 +3179,7 @@
             </a:ln>
             <a:extLst>
               <a:ext uri="{91240B29-F687-4f45-9708-019B960494DF}">
-                <a14:hiddenLine xmlns:a14="http://schemas.microsoft.com/office/drawing/2010/main" xmlns="" w="9525">
+                <a14:hiddenLine xmlns="" xmlns:a14="http://schemas.microsoft.com/office/drawing/2010/main" w="9525">
                   <a:solidFill>
                     <a:srgbClr val="000000"/>
                   </a:solidFill>
@@ -3205,7 +3213,7 @@
             </a:ln>
             <a:extLst>
               <a:ext uri="{91240B29-F687-4f45-9708-019B960494DF}">
-                <a14:hiddenLine xmlns:a14="http://schemas.microsoft.com/office/drawing/2010/main" xmlns="" w="9525">
+                <a14:hiddenLine xmlns="" xmlns:a14="http://schemas.microsoft.com/office/drawing/2010/main" w="9525">
                   <a:solidFill>
                     <a:srgbClr val="000000"/>
                   </a:solidFill>
@@ -3270,7 +3278,7 @@
             </a:ln>
             <a:extLst>
               <a:ext uri="{91240B29-F687-4f45-9708-019B960494DF}">
-                <a14:hiddenLine xmlns:a14="http://schemas.microsoft.com/office/drawing/2010/main" xmlns="" w="9525">
+                <a14:hiddenLine xmlns="" xmlns:a14="http://schemas.microsoft.com/office/drawing/2010/main" w="9525">
                   <a:solidFill>
                     <a:srgbClr val="000000"/>
                   </a:solidFill>
@@ -3360,7 +3368,7 @@
             </a:ln>
             <a:extLst>
               <a:ext uri="{91240B29-F687-4f45-9708-019B960494DF}">
-                <a14:hiddenLine xmlns:a14="http://schemas.microsoft.com/office/drawing/2010/main" xmlns="" w="9525">
+                <a14:hiddenLine xmlns="" xmlns:a14="http://schemas.microsoft.com/office/drawing/2010/main" w="9525">
                   <a:solidFill>
                     <a:srgbClr val="000000"/>
                   </a:solidFill>
@@ -3422,7 +3430,7 @@
             </a:ln>
             <a:extLst>
               <a:ext uri="{91240B29-F687-4f45-9708-019B960494DF}">
-                <a14:hiddenLine xmlns:a14="http://schemas.microsoft.com/office/drawing/2010/main" xmlns="" w="9525">
+                <a14:hiddenLine xmlns="" xmlns:a14="http://schemas.microsoft.com/office/drawing/2010/main" w="9525">
                   <a:solidFill>
                     <a:srgbClr val="000000"/>
                   </a:solidFill>
@@ -3512,7 +3520,7 @@
             </a:ln>
             <a:extLst>
               <a:ext uri="{91240B29-F687-4f45-9708-019B960494DF}">
-                <a14:hiddenLine xmlns:a14="http://schemas.microsoft.com/office/drawing/2010/main" xmlns="" w="9525">
+                <a14:hiddenLine xmlns="" xmlns:a14="http://schemas.microsoft.com/office/drawing/2010/main" w="9525">
                   <a:solidFill>
                     <a:srgbClr val="000000"/>
                   </a:solidFill>
@@ -3602,7 +3610,7 @@
             </a:ln>
             <a:extLst>
               <a:ext uri="{91240B29-F687-4f45-9708-019B960494DF}">
-                <a14:hiddenLine xmlns:a14="http://schemas.microsoft.com/office/drawing/2010/main" xmlns="" w="9525">
+                <a14:hiddenLine xmlns="" xmlns:a14="http://schemas.microsoft.com/office/drawing/2010/main" w="9525">
                   <a:solidFill>
                     <a:srgbClr val="000000"/>
                   </a:solidFill>
@@ -3667,7 +3675,7 @@
             </a:ln>
             <a:extLst>
               <a:ext uri="{91240B29-F687-4f45-9708-019B960494DF}">
-                <a14:hiddenLine xmlns:a14="http://schemas.microsoft.com/office/drawing/2010/main" xmlns="" w="9525">
+                <a14:hiddenLine xmlns="" xmlns:a14="http://schemas.microsoft.com/office/drawing/2010/main" w="9525">
                   <a:solidFill>
                     <a:srgbClr val="000000"/>
                   </a:solidFill>
@@ -3729,7 +3737,7 @@
             </a:ln>
             <a:extLst>
               <a:ext uri="{91240B29-F687-4f45-9708-019B960494DF}">
-                <a14:hiddenLine xmlns:a14="http://schemas.microsoft.com/office/drawing/2010/main" xmlns="" w="9525">
+                <a14:hiddenLine xmlns="" xmlns:a14="http://schemas.microsoft.com/office/drawing/2010/main" w="9525">
                   <a:solidFill>
                     <a:srgbClr val="000000"/>
                   </a:solidFill>
@@ -3819,7 +3827,7 @@
             </a:ln>
             <a:extLst>
               <a:ext uri="{91240B29-F687-4f45-9708-019B960494DF}">
-                <a14:hiddenLine xmlns:a14="http://schemas.microsoft.com/office/drawing/2010/main" xmlns="" w="9525">
+                <a14:hiddenLine xmlns="" xmlns:a14="http://schemas.microsoft.com/office/drawing/2010/main" w="9525">
                   <a:solidFill>
                     <a:srgbClr val="000000"/>
                   </a:solidFill>
@@ -3909,7 +3917,7 @@
             </a:ln>
             <a:extLst>
               <a:ext uri="{91240B29-F687-4f45-9708-019B960494DF}">
-                <a14:hiddenLine xmlns:a14="http://schemas.microsoft.com/office/drawing/2010/main" xmlns="" w="9525">
+                <a14:hiddenLine xmlns="" xmlns:a14="http://schemas.microsoft.com/office/drawing/2010/main" w="9525">
                   <a:solidFill>
                     <a:srgbClr val="000000"/>
                   </a:solidFill>
@@ -3971,7 +3979,7 @@
             </a:ln>
             <a:extLst>
               <a:ext uri="{91240B29-F687-4f45-9708-019B960494DF}">
-                <a14:hiddenLine xmlns:a14="http://schemas.microsoft.com/office/drawing/2010/main" xmlns="" w="9525">
+                <a14:hiddenLine xmlns="" xmlns:a14="http://schemas.microsoft.com/office/drawing/2010/main" w="9525">
                   <a:solidFill>
                     <a:srgbClr val="000000"/>
                   </a:solidFill>
@@ -4091,7 +4099,7 @@
             </a:ln>
             <a:extLst>
               <a:ext uri="{91240B29-F687-4f45-9708-019B960494DF}">
-                <a14:hiddenLine xmlns:a14="http://schemas.microsoft.com/office/drawing/2010/main" xmlns="" w="9525">
+                <a14:hiddenLine xmlns="" xmlns:a14="http://schemas.microsoft.com/office/drawing/2010/main" w="9525">
                   <a:solidFill>
                     <a:srgbClr val="000000"/>
                   </a:solidFill>
@@ -4159,7 +4167,7 @@
             </a:ln>
             <a:extLst>
               <a:ext uri="{91240B29-F687-4f45-9708-019B960494DF}">
-                <a14:hiddenLine xmlns:a14="http://schemas.microsoft.com/office/drawing/2010/main" xmlns="" w="9525">
+                <a14:hiddenLine xmlns="" xmlns:a14="http://schemas.microsoft.com/office/drawing/2010/main" w="9525">
                   <a:solidFill>
                     <a:srgbClr val="000000"/>
                   </a:solidFill>
@@ -4249,7 +4257,7 @@
             </a:ln>
             <a:extLst>
               <a:ext uri="{91240B29-F687-4f45-9708-019B960494DF}">
-                <a14:hiddenLine xmlns:a14="http://schemas.microsoft.com/office/drawing/2010/main" xmlns="" w="9525">
+                <a14:hiddenLine xmlns="" xmlns:a14="http://schemas.microsoft.com/office/drawing/2010/main" w="9525">
                   <a:solidFill>
                     <a:srgbClr val="000000"/>
                   </a:solidFill>
@@ -4389,7 +4397,7 @@
           <a:p>
             <a:fld id="{48A87A34-81AB-432B-8DAE-1953F412C126}" type="datetimeFigureOut">
               <a:rPr lang="en-US" dirty="0"/>
-              <a:t>4/8/2021</a:t>
+              <a:t>4/9/2021</a:t>
             </a:fld>
             <a:endParaRPr lang="en-US" dirty="0"/>
           </a:p>
@@ -4651,7 +4659,7 @@
           <a:p>
             <a:fld id="{48A87A34-81AB-432B-8DAE-1953F412C126}" type="datetimeFigureOut">
               <a:rPr lang="en-US" dirty="0"/>
-              <a:t>4/8/2021</a:t>
+              <a:t>4/9/2021</a:t>
             </a:fld>
             <a:endParaRPr lang="en-US" dirty="0"/>
           </a:p>
@@ -4842,7 +4850,7 @@
           <a:p>
             <a:fld id="{48A87A34-81AB-432B-8DAE-1953F412C126}" type="datetimeFigureOut">
               <a:rPr lang="en-US" dirty="0"/>
-              <a:t>4/8/2021</a:t>
+              <a:t>4/9/2021</a:t>
             </a:fld>
             <a:endParaRPr lang="en-US" dirty="0"/>
           </a:p>
@@ -5100,7 +5108,7 @@
           <a:p>
             <a:fld id="{48A87A34-81AB-432B-8DAE-1953F412C126}" type="datetimeFigureOut">
               <a:rPr lang="en-US" dirty="0"/>
-              <a:t>4/8/2021</a:t>
+              <a:t>4/9/2021</a:t>
             </a:fld>
             <a:endParaRPr lang="en-US" dirty="0"/>
           </a:p>
@@ -5529,7 +5537,7 @@
           <a:p>
             <a:fld id="{48A87A34-81AB-432B-8DAE-1953F412C126}" type="datetimeFigureOut">
               <a:rPr lang="en-US" dirty="0"/>
-              <a:t>4/8/2021</a:t>
+              <a:t>4/9/2021</a:t>
             </a:fld>
             <a:endParaRPr lang="en-US" dirty="0"/>
           </a:p>
@@ -6070,7 +6078,7 @@
           <a:p>
             <a:fld id="{48A87A34-81AB-432B-8DAE-1953F412C126}" type="datetimeFigureOut">
               <a:rPr lang="en-US" dirty="0"/>
-              <a:t>4/8/2021</a:t>
+              <a:t>4/9/2021</a:t>
             </a:fld>
             <a:endParaRPr lang="en-US" dirty="0"/>
           </a:p>
@@ -6785,7 +6793,7 @@
           <a:p>
             <a:fld id="{48A87A34-81AB-432B-8DAE-1953F412C126}" type="datetimeFigureOut">
               <a:rPr lang="en-US" dirty="0"/>
-              <a:t>4/8/2021</a:t>
+              <a:t>4/9/2021</a:t>
             </a:fld>
             <a:endParaRPr lang="en-US" dirty="0"/>
           </a:p>
@@ -6950,7 +6958,7 @@
           <a:p>
             <a:fld id="{48A87A34-81AB-432B-8DAE-1953F412C126}" type="datetimeFigureOut">
               <a:rPr lang="en-US" dirty="0"/>
-              <a:t>4/8/2021</a:t>
+              <a:t>4/9/2021</a:t>
             </a:fld>
             <a:endParaRPr lang="en-US" dirty="0"/>
           </a:p>
@@ -7125,7 +7133,7 @@
           <a:p>
             <a:fld id="{48A87A34-81AB-432B-8DAE-1953F412C126}" type="datetimeFigureOut">
               <a:rPr lang="en-US" dirty="0"/>
-              <a:t>4/8/2021</a:t>
+              <a:t>4/9/2021</a:t>
             </a:fld>
             <a:endParaRPr lang="en-US" dirty="0"/>
           </a:p>
@@ -7290,7 +7298,7 @@
           <a:p>
             <a:fld id="{48A87A34-81AB-432B-8DAE-1953F412C126}" type="datetimeFigureOut">
               <a:rPr lang="en-US" dirty="0"/>
-              <a:t>4/8/2021</a:t>
+              <a:t>4/9/2021</a:t>
             </a:fld>
             <a:endParaRPr lang="en-US" dirty="0"/>
           </a:p>
@@ -7535,7 +7543,7 @@
           <a:p>
             <a:fld id="{48A87A34-81AB-432B-8DAE-1953F412C126}" type="datetimeFigureOut">
               <a:rPr lang="en-US" dirty="0"/>
-              <a:t>4/8/2021</a:t>
+              <a:t>4/9/2021</a:t>
             </a:fld>
             <a:endParaRPr lang="en-US" dirty="0"/>
           </a:p>
@@ -7762,7 +7770,7 @@
           <a:p>
             <a:fld id="{48A87A34-81AB-432B-8DAE-1953F412C126}" type="datetimeFigureOut">
               <a:rPr lang="en-US" dirty="0"/>
-              <a:t>4/8/2021</a:t>
+              <a:t>4/9/2021</a:t>
             </a:fld>
             <a:endParaRPr lang="en-US" dirty="0"/>
           </a:p>
@@ -8138,7 +8146,7 @@
           <a:p>
             <a:fld id="{48A87A34-81AB-432B-8DAE-1953F412C126}" type="datetimeFigureOut">
               <a:rPr lang="en-US" dirty="0"/>
-              <a:t>4/8/2021</a:t>
+              <a:t>4/9/2021</a:t>
             </a:fld>
             <a:endParaRPr lang="en-US" dirty="0"/>
           </a:p>
@@ -8251,7 +8259,7 @@
           <a:p>
             <a:fld id="{48A87A34-81AB-432B-8DAE-1953F412C126}" type="datetimeFigureOut">
               <a:rPr lang="en-US" dirty="0"/>
-              <a:t>4/8/2021</a:t>
+              <a:t>4/9/2021</a:t>
             </a:fld>
             <a:endParaRPr lang="en-US" dirty="0"/>
           </a:p>
@@ -8341,7 +8349,7 @@
           <a:p>
             <a:fld id="{48A87A34-81AB-432B-8DAE-1953F412C126}" type="datetimeFigureOut">
               <a:rPr lang="en-US" dirty="0"/>
-              <a:t>4/8/2021</a:t>
+              <a:t>4/9/2021</a:t>
             </a:fld>
             <a:endParaRPr lang="en-US" dirty="0"/>
           </a:p>
@@ -8585,7 +8593,7 @@
           <a:p>
             <a:fld id="{48A87A34-81AB-432B-8DAE-1953F412C126}" type="datetimeFigureOut">
               <a:rPr lang="en-US" dirty="0"/>
-              <a:t>4/8/2021</a:t>
+              <a:t>4/9/2021</a:t>
             </a:fld>
             <a:endParaRPr lang="en-US" dirty="0"/>
           </a:p>
@@ -8860,7 +8868,7 @@
           <a:p>
             <a:fld id="{48A87A34-81AB-432B-8DAE-1953F412C126}" type="datetimeFigureOut">
               <a:rPr lang="en-US" dirty="0"/>
-              <a:t>4/8/2021</a:t>
+              <a:t>4/9/2021</a:t>
             </a:fld>
             <a:endParaRPr lang="en-US" dirty="0"/>
           </a:p>
@@ -8971,7 +8979,7 @@
           <a:noFill/>
           <a:extLst>
             <a:ext uri="{909E8E84-426E-40dd-AFC4-6F175D3DCCD1}">
-              <a14:hiddenFill xmlns:a14="http://schemas.microsoft.com/office/drawing/2010/main" xmlns="">
+              <a14:hiddenFill xmlns="" xmlns:a14="http://schemas.microsoft.com/office/drawing/2010/main">
                 <a:solidFill>
                   <a:srgbClr val="FFFFFF"/>
                 </a:solidFill>
@@ -9045,7 +9053,7 @@
               </a:ln>
               <a:extLst>
                 <a:ext uri="{91240B29-F687-4f45-9708-019B960494DF}">
-                  <a14:hiddenLine xmlns:a14="http://schemas.microsoft.com/office/drawing/2010/main" xmlns="" w="9525">
+                  <a14:hiddenLine xmlns="" xmlns:a14="http://schemas.microsoft.com/office/drawing/2010/main" w="9525">
                     <a:solidFill>
                       <a:srgbClr val="000000"/>
                     </a:solidFill>
@@ -9135,7 +9143,7 @@
               </a:ln>
               <a:extLst>
                 <a:ext uri="{91240B29-F687-4f45-9708-019B960494DF}">
-                  <a14:hiddenLine xmlns:a14="http://schemas.microsoft.com/office/drawing/2010/main" xmlns="" w="9525">
+                  <a14:hiddenLine xmlns="" xmlns:a14="http://schemas.microsoft.com/office/drawing/2010/main" w="9525">
                     <a:solidFill>
                       <a:srgbClr val="000000"/>
                     </a:solidFill>
@@ -9225,7 +9233,7 @@
               </a:ln>
               <a:extLst>
                 <a:ext uri="{91240B29-F687-4f45-9708-019B960494DF}">
-                  <a14:hiddenLine xmlns:a14="http://schemas.microsoft.com/office/drawing/2010/main" xmlns="" w="9525">
+                  <a14:hiddenLine xmlns="" xmlns:a14="http://schemas.microsoft.com/office/drawing/2010/main" w="9525">
                     <a:solidFill>
                       <a:srgbClr val="000000"/>
                     </a:solidFill>
@@ -9287,7 +9295,7 @@
               </a:ln>
               <a:extLst>
                 <a:ext uri="{91240B29-F687-4f45-9708-019B960494DF}">
-                  <a14:hiddenLine xmlns:a14="http://schemas.microsoft.com/office/drawing/2010/main" xmlns="" w="9525">
+                  <a14:hiddenLine xmlns="" xmlns:a14="http://schemas.microsoft.com/office/drawing/2010/main" w="9525">
                     <a:solidFill>
                       <a:srgbClr val="000000"/>
                     </a:solidFill>
@@ -9377,7 +9385,7 @@
               </a:ln>
               <a:extLst>
                 <a:ext uri="{91240B29-F687-4f45-9708-019B960494DF}">
-                  <a14:hiddenLine xmlns:a14="http://schemas.microsoft.com/office/drawing/2010/main" xmlns="" w="9525">
+                  <a14:hiddenLine xmlns="" xmlns:a14="http://schemas.microsoft.com/office/drawing/2010/main" w="9525">
                     <a:solidFill>
                       <a:srgbClr val="000000"/>
                     </a:solidFill>
@@ -9439,7 +9447,7 @@
               </a:ln>
               <a:extLst>
                 <a:ext uri="{91240B29-F687-4f45-9708-019B960494DF}">
-                  <a14:hiddenLine xmlns:a14="http://schemas.microsoft.com/office/drawing/2010/main" xmlns="" w="9525">
+                  <a14:hiddenLine xmlns="" xmlns:a14="http://schemas.microsoft.com/office/drawing/2010/main" w="9525">
                     <a:solidFill>
                       <a:srgbClr val="000000"/>
                     </a:solidFill>
@@ -9501,7 +9509,7 @@
               </a:ln>
               <a:extLst>
                 <a:ext uri="{91240B29-F687-4f45-9708-019B960494DF}">
-                  <a14:hiddenLine xmlns:a14="http://schemas.microsoft.com/office/drawing/2010/main" xmlns="" w="9525">
+                  <a14:hiddenLine xmlns="" xmlns:a14="http://schemas.microsoft.com/office/drawing/2010/main" w="9525">
                     <a:solidFill>
                       <a:srgbClr val="000000"/>
                     </a:solidFill>
@@ -9591,7 +9599,7 @@
               </a:ln>
               <a:extLst>
                 <a:ext uri="{91240B29-F687-4f45-9708-019B960494DF}">
-                  <a14:hiddenLine xmlns:a14="http://schemas.microsoft.com/office/drawing/2010/main" xmlns="" w="9525">
+                  <a14:hiddenLine xmlns="" xmlns:a14="http://schemas.microsoft.com/office/drawing/2010/main" w="9525">
                     <a:solidFill>
                       <a:srgbClr val="000000"/>
                     </a:solidFill>
@@ -9681,7 +9689,7 @@
               </a:ln>
               <a:extLst>
                 <a:ext uri="{91240B29-F687-4f45-9708-019B960494DF}">
-                  <a14:hiddenLine xmlns:a14="http://schemas.microsoft.com/office/drawing/2010/main" xmlns="" w="9525">
+                  <a14:hiddenLine xmlns="" xmlns:a14="http://schemas.microsoft.com/office/drawing/2010/main" w="9525">
                     <a:solidFill>
                       <a:srgbClr val="000000"/>
                     </a:solidFill>
@@ -9743,7 +9751,7 @@
               </a:ln>
               <a:extLst>
                 <a:ext uri="{91240B29-F687-4f45-9708-019B960494DF}">
-                  <a14:hiddenLine xmlns:a14="http://schemas.microsoft.com/office/drawing/2010/main" xmlns="" w="9525">
+                  <a14:hiddenLine xmlns="" xmlns:a14="http://schemas.microsoft.com/office/drawing/2010/main" w="9525">
                     <a:solidFill>
                       <a:srgbClr val="000000"/>
                     </a:solidFill>
@@ -9853,7 +9861,7 @@
               </a:ln>
               <a:extLst>
                 <a:ext uri="{91240B29-F687-4f45-9708-019B960494DF}">
-                  <a14:hiddenLine xmlns:a14="http://schemas.microsoft.com/office/drawing/2010/main" xmlns="" w="9525">
+                  <a14:hiddenLine xmlns="" xmlns:a14="http://schemas.microsoft.com/office/drawing/2010/main" w="9525">
                     <a:solidFill>
                       <a:srgbClr val="000000"/>
                     </a:solidFill>
@@ -9937,7 +9945,7 @@
               </a:ln>
               <a:extLst>
                 <a:ext uri="{91240B29-F687-4f45-9708-019B960494DF}">
-                  <a14:hiddenLine xmlns:a14="http://schemas.microsoft.com/office/drawing/2010/main" xmlns="" w="9525">
+                  <a14:hiddenLine xmlns="" xmlns:a14="http://schemas.microsoft.com/office/drawing/2010/main" w="9525">
                     <a:solidFill>
                       <a:srgbClr val="000000"/>
                     </a:solidFill>
@@ -9999,7 +10007,7 @@
               </a:ln>
               <a:extLst>
                 <a:ext uri="{91240B29-F687-4f45-9708-019B960494DF}">
-                  <a14:hiddenLine xmlns:a14="http://schemas.microsoft.com/office/drawing/2010/main" xmlns="" w="9525">
+                  <a14:hiddenLine xmlns="" xmlns:a14="http://schemas.microsoft.com/office/drawing/2010/main" w="9525">
                     <a:solidFill>
                       <a:srgbClr val="000000"/>
                     </a:solidFill>
@@ -10061,7 +10069,7 @@
               </a:ln>
               <a:extLst>
                 <a:ext uri="{91240B29-F687-4f45-9708-019B960494DF}">
-                  <a14:hiddenLine xmlns:a14="http://schemas.microsoft.com/office/drawing/2010/main" xmlns="" w="9525">
+                  <a14:hiddenLine xmlns="" xmlns:a14="http://schemas.microsoft.com/office/drawing/2010/main" w="9525">
                     <a:solidFill>
                       <a:srgbClr val="000000"/>
                     </a:solidFill>
@@ -10151,7 +10159,7 @@
               </a:ln>
               <a:extLst>
                 <a:ext uri="{91240B29-F687-4f45-9708-019B960494DF}">
-                  <a14:hiddenLine xmlns:a14="http://schemas.microsoft.com/office/drawing/2010/main" xmlns="" w="9525">
+                  <a14:hiddenLine xmlns="" xmlns:a14="http://schemas.microsoft.com/office/drawing/2010/main" w="9525">
                     <a:solidFill>
                       <a:srgbClr val="000000"/>
                     </a:solidFill>
@@ -10185,7 +10193,7 @@
               </a:ln>
               <a:extLst>
                 <a:ext uri="{91240B29-F687-4f45-9708-019B960494DF}">
-                  <a14:hiddenLine xmlns:a14="http://schemas.microsoft.com/office/drawing/2010/main" xmlns="" w="9525">
+                  <a14:hiddenLine xmlns="" xmlns:a14="http://schemas.microsoft.com/office/drawing/2010/main" w="9525">
                     <a:solidFill>
                       <a:srgbClr val="000000"/>
                     </a:solidFill>
@@ -10250,7 +10258,7 @@
               </a:ln>
               <a:extLst>
                 <a:ext uri="{91240B29-F687-4f45-9708-019B960494DF}">
-                  <a14:hiddenLine xmlns:a14="http://schemas.microsoft.com/office/drawing/2010/main" xmlns="" w="9525">
+                  <a14:hiddenLine xmlns="" xmlns:a14="http://schemas.microsoft.com/office/drawing/2010/main" w="9525">
                     <a:solidFill>
                       <a:srgbClr val="000000"/>
                     </a:solidFill>
@@ -10340,7 +10348,7 @@
               </a:ln>
               <a:extLst>
                 <a:ext uri="{91240B29-F687-4f45-9708-019B960494DF}">
-                  <a14:hiddenLine xmlns:a14="http://schemas.microsoft.com/office/drawing/2010/main" xmlns="" w="9525">
+                  <a14:hiddenLine xmlns="" xmlns:a14="http://schemas.microsoft.com/office/drawing/2010/main" w="9525">
                     <a:solidFill>
                       <a:srgbClr val="000000"/>
                     </a:solidFill>
@@ -10402,7 +10410,7 @@
               </a:ln>
               <a:extLst>
                 <a:ext uri="{91240B29-F687-4f45-9708-019B960494DF}">
-                  <a14:hiddenLine xmlns:a14="http://schemas.microsoft.com/office/drawing/2010/main" xmlns="" w="9525">
+                  <a14:hiddenLine xmlns="" xmlns:a14="http://schemas.microsoft.com/office/drawing/2010/main" w="9525">
                     <a:solidFill>
                       <a:srgbClr val="000000"/>
                     </a:solidFill>
@@ -10492,7 +10500,7 @@
               </a:ln>
               <a:extLst>
                 <a:ext uri="{91240B29-F687-4f45-9708-019B960494DF}">
-                  <a14:hiddenLine xmlns:a14="http://schemas.microsoft.com/office/drawing/2010/main" xmlns="" w="9525">
+                  <a14:hiddenLine xmlns="" xmlns:a14="http://schemas.microsoft.com/office/drawing/2010/main" w="9525">
                     <a:solidFill>
                       <a:srgbClr val="000000"/>
                     </a:solidFill>
@@ -10557,7 +10565,7 @@
               </a:ln>
               <a:extLst>
                 <a:ext uri="{91240B29-F687-4f45-9708-019B960494DF}">
-                  <a14:hiddenLine xmlns:a14="http://schemas.microsoft.com/office/drawing/2010/main" xmlns="" w="9525">
+                  <a14:hiddenLine xmlns="" xmlns:a14="http://schemas.microsoft.com/office/drawing/2010/main" w="9525">
                     <a:solidFill>
                       <a:srgbClr val="000000"/>
                     </a:solidFill>
@@ -10619,7 +10627,7 @@
               </a:ln>
               <a:extLst>
                 <a:ext uri="{91240B29-F687-4f45-9708-019B960494DF}">
-                  <a14:hiddenLine xmlns:a14="http://schemas.microsoft.com/office/drawing/2010/main" xmlns="" w="9525">
+                  <a14:hiddenLine xmlns="" xmlns:a14="http://schemas.microsoft.com/office/drawing/2010/main" w="9525">
                     <a:solidFill>
                       <a:srgbClr val="000000"/>
                     </a:solidFill>
@@ -10709,7 +10717,7 @@
               </a:ln>
               <a:extLst>
                 <a:ext uri="{91240B29-F687-4f45-9708-019B960494DF}">
-                  <a14:hiddenLine xmlns:a14="http://schemas.microsoft.com/office/drawing/2010/main" xmlns="" w="9525">
+                  <a14:hiddenLine xmlns="" xmlns:a14="http://schemas.microsoft.com/office/drawing/2010/main" w="9525">
                     <a:solidFill>
                       <a:srgbClr val="000000"/>
                     </a:solidFill>
@@ -10799,7 +10807,7 @@
               </a:ln>
               <a:extLst>
                 <a:ext uri="{91240B29-F687-4f45-9708-019B960494DF}">
-                  <a14:hiddenLine xmlns:a14="http://schemas.microsoft.com/office/drawing/2010/main" xmlns="" w="9525">
+                  <a14:hiddenLine xmlns="" xmlns:a14="http://schemas.microsoft.com/office/drawing/2010/main" w="9525">
                     <a:solidFill>
                       <a:srgbClr val="000000"/>
                     </a:solidFill>
@@ -10864,7 +10872,7 @@
               </a:ln>
               <a:extLst>
                 <a:ext uri="{91240B29-F687-4f45-9708-019B960494DF}">
-                  <a14:hiddenLine xmlns:a14="http://schemas.microsoft.com/office/drawing/2010/main" xmlns="" w="9525">
+                  <a14:hiddenLine xmlns="" xmlns:a14="http://schemas.microsoft.com/office/drawing/2010/main" w="9525">
                     <a:solidFill>
                       <a:srgbClr val="000000"/>
                     </a:solidFill>
@@ -10984,7 +10992,7 @@
               </a:ln>
               <a:extLst>
                 <a:ext uri="{91240B29-F687-4f45-9708-019B960494DF}">
-                  <a14:hiddenLine xmlns:a14="http://schemas.microsoft.com/office/drawing/2010/main" xmlns="" w="9525">
+                  <a14:hiddenLine xmlns="" xmlns:a14="http://schemas.microsoft.com/office/drawing/2010/main" w="9525">
                     <a:solidFill>
                       <a:srgbClr val="000000"/>
                     </a:solidFill>
@@ -11082,7 +11090,7 @@
               </a:ln>
               <a:extLst>
                 <a:ext uri="{91240B29-F687-4f45-9708-019B960494DF}">
-                  <a14:hiddenLine xmlns:a14="http://schemas.microsoft.com/office/drawing/2010/main" xmlns="" w="9525">
+                  <a14:hiddenLine xmlns="" xmlns:a14="http://schemas.microsoft.com/office/drawing/2010/main" w="9525">
                     <a:solidFill>
                       <a:srgbClr val="000000"/>
                     </a:solidFill>
@@ -11197,7 +11205,7 @@
               </a:ln>
               <a:extLst>
                 <a:ext uri="{91240B29-F687-4f45-9708-019B960494DF}">
-                  <a14:hiddenLine xmlns:a14="http://schemas.microsoft.com/office/drawing/2010/main" xmlns="" w="9525">
+                  <a14:hiddenLine xmlns="" xmlns:a14="http://schemas.microsoft.com/office/drawing/2010/main" w="9525">
                     <a:solidFill>
                       <a:srgbClr val="000000"/>
                     </a:solidFill>
@@ -11287,7 +11295,7 @@
               </a:ln>
               <a:extLst>
                 <a:ext uri="{91240B29-F687-4f45-9708-019B960494DF}">
-                  <a14:hiddenLine xmlns:a14="http://schemas.microsoft.com/office/drawing/2010/main" xmlns="" w="9525">
+                  <a14:hiddenLine xmlns="" xmlns:a14="http://schemas.microsoft.com/office/drawing/2010/main" w="9525">
                     <a:solidFill>
                       <a:srgbClr val="000000"/>
                     </a:solidFill>
@@ -11352,7 +11360,7 @@
               </a:ln>
               <a:extLst>
                 <a:ext uri="{91240B29-F687-4f45-9708-019B960494DF}">
-                  <a14:hiddenLine xmlns:a14="http://schemas.microsoft.com/office/drawing/2010/main" xmlns="" w="9525">
+                  <a14:hiddenLine xmlns="" xmlns:a14="http://schemas.microsoft.com/office/drawing/2010/main" w="9525">
                     <a:solidFill>
                       <a:srgbClr val="000000"/>
                     </a:solidFill>
@@ -11442,7 +11450,7 @@
               </a:ln>
               <a:extLst>
                 <a:ext uri="{91240B29-F687-4f45-9708-019B960494DF}">
-                  <a14:hiddenLine xmlns:a14="http://schemas.microsoft.com/office/drawing/2010/main" xmlns="" w="9525">
+                  <a14:hiddenLine xmlns="" xmlns:a14="http://schemas.microsoft.com/office/drawing/2010/main" w="9525">
                     <a:solidFill>
                       <a:srgbClr val="000000"/>
                     </a:solidFill>
@@ -11510,7 +11518,7 @@
               </a:ln>
               <a:extLst>
                 <a:ext uri="{91240B29-F687-4f45-9708-019B960494DF}">
-                  <a14:hiddenLine xmlns:a14="http://schemas.microsoft.com/office/drawing/2010/main" xmlns="" w="9525">
+                  <a14:hiddenLine xmlns="" xmlns:a14="http://schemas.microsoft.com/office/drawing/2010/main" w="9525">
                     <a:solidFill>
                       <a:srgbClr val="000000"/>
                     </a:solidFill>
@@ -11600,7 +11608,7 @@
               </a:ln>
               <a:extLst>
                 <a:ext uri="{91240B29-F687-4f45-9708-019B960494DF}">
-                  <a14:hiddenLine xmlns:a14="http://schemas.microsoft.com/office/drawing/2010/main" xmlns="" w="9525">
+                  <a14:hiddenLine xmlns="" xmlns:a14="http://schemas.microsoft.com/office/drawing/2010/main" w="9525">
                     <a:solidFill>
                       <a:srgbClr val="000000"/>
                     </a:solidFill>
@@ -11668,7 +11676,7 @@
               </a:ln>
               <a:extLst>
                 <a:ext uri="{91240B29-F687-4f45-9708-019B960494DF}">
-                  <a14:hiddenLine xmlns:a14="http://schemas.microsoft.com/office/drawing/2010/main" xmlns="" w="9525">
+                  <a14:hiddenLine xmlns="" xmlns:a14="http://schemas.microsoft.com/office/drawing/2010/main" w="9525">
                     <a:solidFill>
                       <a:srgbClr val="000000"/>
                     </a:solidFill>
@@ -11758,7 +11766,7 @@
               </a:ln>
               <a:extLst>
                 <a:ext uri="{91240B29-F687-4f45-9708-019B960494DF}">
-                  <a14:hiddenLine xmlns:a14="http://schemas.microsoft.com/office/drawing/2010/main" xmlns="" w="9525">
+                  <a14:hiddenLine xmlns="" xmlns:a14="http://schemas.microsoft.com/office/drawing/2010/main" w="9525">
                     <a:solidFill>
                       <a:srgbClr val="000000"/>
                     </a:solidFill>
@@ -11792,7 +11800,7 @@
               </a:ln>
               <a:extLst>
                 <a:ext uri="{91240B29-F687-4f45-9708-019B960494DF}">
-                  <a14:hiddenLine xmlns:a14="http://schemas.microsoft.com/office/drawing/2010/main" xmlns="" w="9525">
+                  <a14:hiddenLine xmlns="" xmlns:a14="http://schemas.microsoft.com/office/drawing/2010/main" w="9525">
                     <a:solidFill>
                       <a:srgbClr val="000000"/>
                     </a:solidFill>
@@ -11933,7 +11941,7 @@
             <a:fld id="{48A87A34-81AB-432B-8DAE-1953F412C126}" type="datetimeFigureOut">
               <a:rPr lang="en-US" dirty="0"/>
               <a:pPr/>
-              <a:t>4/8/2021</a:t>
+              <a:t>4/9/2021</a:t>
             </a:fld>
             <a:endParaRPr lang="en-US" dirty="0"/>
           </a:p>
@@ -12426,6 +12434,246 @@
 </p:sld>
 </file>
 
+<file path=ppt/slides/slide10.xml><?xml version="1.0" encoding="utf-8"?>
+<p:sld xmlns:a="http://schemas.openxmlformats.org/drawingml/2006/main" xmlns:r="http://schemas.openxmlformats.org/officeDocument/2006/relationships" xmlns:p="http://schemas.openxmlformats.org/presentationml/2006/main">
+  <p:cSld>
+    <p:spTree>
+      <p:nvGrpSpPr>
+        <p:cNvPr id="1" name=""/>
+        <p:cNvGrpSpPr/>
+        <p:nvPr/>
+      </p:nvGrpSpPr>
+      <p:grpSpPr>
+        <a:xfrm>
+          <a:off x="0" y="0"/>
+          <a:ext cx="0" cy="0"/>
+          <a:chOff x="0" y="0"/>
+          <a:chExt cx="0" cy="0"/>
+        </a:xfrm>
+      </p:grpSpPr>
+      <p:sp>
+        <p:nvSpPr>
+          <p:cNvPr id="2" name="標題 1">
+            <a:extLst>
+              <a:ext uri="{FF2B5EF4-FFF2-40B4-BE49-F238E27FC236}">
+                <a16:creationId xmlns:a16="http://schemas.microsoft.com/office/drawing/2014/main" id="{F3674E41-1EC1-4523-942A-3BE83309E446}"/>
+              </a:ext>
+            </a:extLst>
+          </p:cNvPr>
+          <p:cNvSpPr>
+            <a:spLocks noGrp="1"/>
+          </p:cNvSpPr>
+          <p:nvPr>
+            <p:ph type="title"/>
+          </p:nvPr>
+        </p:nvSpPr>
+        <p:spPr/>
+        <p:txBody>
+          <a:bodyPr/>
+          <a:lstStyle/>
+          <a:p>
+            <a:endParaRPr lang="en-US"/>
+          </a:p>
+        </p:txBody>
+      </p:sp>
+      <p:sp>
+        <p:nvSpPr>
+          <p:cNvPr id="3" name="內容版面配置區 2">
+            <a:extLst>
+              <a:ext uri="{FF2B5EF4-FFF2-40B4-BE49-F238E27FC236}">
+                <a16:creationId xmlns:a16="http://schemas.microsoft.com/office/drawing/2014/main" id="{854F9720-398B-4ADD-8612-C6F4116B274F}"/>
+              </a:ext>
+            </a:extLst>
+          </p:cNvPr>
+          <p:cNvSpPr>
+            <a:spLocks noGrp="1"/>
+          </p:cNvSpPr>
+          <p:nvPr>
+            <p:ph idx="1"/>
+          </p:nvPr>
+        </p:nvSpPr>
+        <p:spPr/>
+        <p:txBody>
+          <a:bodyPr>
+            <a:normAutofit fontScale="55000" lnSpcReduction="20000"/>
+          </a:bodyPr>
+          <a:lstStyle/>
+          <a:p>
+            <a:r>
+              <a:rPr lang="zh-TW" altLang="en-US" dirty="0"/>
+              <a:t>二、 輸入想處理的機率模型</a:t>
+            </a:r>
+            <a:br>
+              <a:rPr lang="en-US" dirty="0"/>
+            </a:br>
+            <a:r>
+              <a:rPr lang="en-US" dirty="0"/>
+              <a:t>1. binomial 2. geometric 3. exponential</a:t>
+            </a:r>
+            <a:br>
+              <a:rPr lang="en-US" dirty="0"/>
+            </a:br>
+            <a:r>
+              <a:rPr lang="en-US" dirty="0"/>
+              <a:t>2</a:t>
+            </a:r>
+            <a:br>
+              <a:rPr lang="en-US" dirty="0"/>
+            </a:br>
+            <a:r>
+              <a:rPr lang="zh-TW" altLang="en-US" dirty="0"/>
+              <a:t>請輸入兩個參數</a:t>
+            </a:r>
+            <a:r>
+              <a:rPr lang="en-US" dirty="0"/>
+              <a:t> </a:t>
+            </a:r>
+            <a:r>
+              <a:rPr lang="en-US" dirty="0" err="1"/>
+              <a:t>p,x</a:t>
+            </a:r>
+            <a:br>
+              <a:rPr lang="en-US" dirty="0"/>
+            </a:br>
+            <a:r>
+              <a:rPr lang="en-US" dirty="0"/>
+              <a:t>0.4 7</a:t>
+            </a:r>
+            <a:br>
+              <a:rPr lang="en-US" dirty="0"/>
+            </a:br>
+            <a:r>
+              <a:rPr lang="zh-TW" altLang="en-US" dirty="0"/>
+              <a:t>此函數的機率為</a:t>
+            </a:r>
+            <a:r>
+              <a:rPr lang="en-US" dirty="0"/>
+              <a:t>0.018662399999999996</a:t>
+            </a:r>
+            <a:br>
+              <a:rPr lang="en-US" dirty="0"/>
+            </a:br>
+            <a:r>
+              <a:rPr lang="zh-TW" altLang="en-US" dirty="0"/>
+              <a:t>是否要離開</a:t>
+            </a:r>
+            <a:r>
+              <a:rPr lang="en-US" dirty="0"/>
+              <a:t>? Type Yes to leave</a:t>
+            </a:r>
+            <a:br>
+              <a:rPr lang="en-US" dirty="0"/>
+            </a:br>
+            <a:r>
+              <a:rPr lang="en-US" dirty="0"/>
+              <a:t>Yes</a:t>
+            </a:r>
+          </a:p>
+          <a:p>
+            <a:r>
+              <a:rPr lang="zh-TW" altLang="en-US" dirty="0"/>
+              <a:t>三、 輸入想處理的機率模型</a:t>
+            </a:r>
+            <a:br>
+              <a:rPr lang="en-US" dirty="0"/>
+            </a:br>
+            <a:r>
+              <a:rPr lang="en-US" dirty="0"/>
+              <a:t>1. binomial 2. geometric 3. exponential</a:t>
+            </a:r>
+            <a:br>
+              <a:rPr lang="en-US" dirty="0"/>
+            </a:br>
+            <a:r>
+              <a:rPr lang="en-US" dirty="0"/>
+              <a:t>3</a:t>
+            </a:r>
+            <a:br>
+              <a:rPr lang="en-US" dirty="0"/>
+            </a:br>
+            <a:r>
+              <a:rPr lang="zh-TW" altLang="en-US" dirty="0"/>
+              <a:t>請輸入兩個參數</a:t>
+            </a:r>
+            <a:r>
+              <a:rPr lang="en-US" dirty="0"/>
+              <a:t> </a:t>
+            </a:r>
+            <a:r>
+              <a:rPr lang="en-US" dirty="0" err="1"/>
+              <a:t>lambda,x</a:t>
+            </a:r>
+            <a:br>
+              <a:rPr lang="en-US" dirty="0"/>
+            </a:br>
+            <a:r>
+              <a:rPr lang="en-US" dirty="0"/>
+              <a:t>1 2</a:t>
+            </a:r>
+            <a:br>
+              <a:rPr lang="en-US" dirty="0"/>
+            </a:br>
+            <a:r>
+              <a:rPr lang="zh-TW" altLang="en-US" dirty="0"/>
+              <a:t>此機率分布從零積到</a:t>
+            </a:r>
+            <a:r>
+              <a:rPr lang="en-US" dirty="0"/>
+              <a:t> 2 </a:t>
+            </a:r>
+            <a:r>
+              <a:rPr lang="zh-TW" altLang="en-US" dirty="0"/>
+              <a:t>的</a:t>
+            </a:r>
+            <a:r>
+              <a:rPr lang="en-US" dirty="0"/>
+              <a:t>CDF</a:t>
+            </a:r>
+            <a:r>
+              <a:rPr lang="zh-TW" altLang="en-US" dirty="0"/>
+              <a:t>為</a:t>
+            </a:r>
+            <a:r>
+              <a:rPr lang="en-US" dirty="0"/>
+              <a:t> 0.8646647167633873</a:t>
+            </a:r>
+            <a:br>
+              <a:rPr lang="en-US" dirty="0"/>
+            </a:br>
+            <a:r>
+              <a:rPr lang="zh-TW" altLang="en-US" dirty="0"/>
+              <a:t>是否要離開</a:t>
+            </a:r>
+            <a:r>
+              <a:rPr lang="en-US" dirty="0"/>
+              <a:t>? Type Yes to leave</a:t>
+            </a:r>
+            <a:br>
+              <a:rPr lang="en-US" dirty="0"/>
+            </a:br>
+            <a:r>
+              <a:rPr lang="en-US" dirty="0"/>
+              <a:t>Yes</a:t>
+            </a:r>
+          </a:p>
+          <a:p>
+            <a:endParaRPr lang="en-US" dirty="0"/>
+          </a:p>
+        </p:txBody>
+      </p:sp>
+    </p:spTree>
+    <p:extLst>
+      <p:ext uri="{BB962C8B-B14F-4D97-AF65-F5344CB8AC3E}">
+        <p14:creationId xmlns:p14="http://schemas.microsoft.com/office/powerpoint/2010/main" val="2943837477"/>
+      </p:ext>
+    </p:extLst>
+  </p:cSld>
+  <p:clrMapOvr>
+    <a:masterClrMapping/>
+  </p:clrMapOvr>
+</p:sld>
+</file>
+
 <file path=ppt/slides/slide2.xml><?xml version="1.0" encoding="utf-8"?>
 <p:sld xmlns:a="http://schemas.openxmlformats.org/drawingml/2006/main" xmlns:r="http://schemas.openxmlformats.org/officeDocument/2006/relationships" xmlns:p="http://schemas.openxmlformats.org/presentationml/2006/main">
   <p:cSld>
@@ -12621,6 +12869,338 @@
           <p:cNvPr id="2" name="標題 1">
             <a:extLst>
               <a:ext uri="{FF2B5EF4-FFF2-40B4-BE49-F238E27FC236}">
+                <a16:creationId xmlns:a16="http://schemas.microsoft.com/office/drawing/2014/main" id="{6370AF34-FF9F-4775-B2DB-9D6713C650C9}"/>
+              </a:ext>
+            </a:extLst>
+          </p:cNvPr>
+          <p:cNvSpPr>
+            <a:spLocks noGrp="1"/>
+          </p:cNvSpPr>
+          <p:nvPr>
+            <p:ph type="title"/>
+          </p:nvPr>
+        </p:nvSpPr>
+        <p:spPr/>
+        <p:txBody>
+          <a:bodyPr/>
+          <a:lstStyle/>
+          <a:p>
+            <a:r>
+              <a:rPr lang="zh-TW" altLang="en-US" dirty="0"/>
+              <a:t>程式</a:t>
+            </a:r>
+            <a:r>
+              <a:rPr lang="zh-TW" altLang="en-US"/>
+              <a:t>虛擬碼</a:t>
+            </a:r>
+            <a:endParaRPr lang="en-US" dirty="0"/>
+          </a:p>
+        </p:txBody>
+      </p:sp>
+      <p:sp>
+        <p:nvSpPr>
+          <p:cNvPr id="3" name="內容版面配置區 2">
+            <a:extLst>
+              <a:ext uri="{FF2B5EF4-FFF2-40B4-BE49-F238E27FC236}">
+                <a16:creationId xmlns:a16="http://schemas.microsoft.com/office/drawing/2014/main" id="{D927C700-ECF7-4A45-AE34-20E305AF7002}"/>
+              </a:ext>
+            </a:extLst>
+          </p:cNvPr>
+          <p:cNvSpPr>
+            <a:spLocks noGrp="1"/>
+          </p:cNvSpPr>
+          <p:nvPr>
+            <p:ph idx="1"/>
+          </p:nvPr>
+        </p:nvSpPr>
+        <p:spPr/>
+        <p:txBody>
+          <a:bodyPr>
+            <a:normAutofit fontScale="40000" lnSpcReduction="20000"/>
+          </a:bodyPr>
+          <a:lstStyle/>
+          <a:p>
+            <a:pPr marL="0" lvl="0" indent="0">
+              <a:buNone/>
+            </a:pPr>
+            <a:r>
+              <a:rPr lang="zh-TW" altLang="en-US" dirty="0"/>
+              <a:t>詢問使用者欲計算的機率模型</a:t>
+            </a:r>
+            <a:r>
+              <a:rPr lang="en-US" dirty="0"/>
+              <a:t> 1. Binomial probability distribution 2. Geometric probability distribution 3. Exponential probability distribution</a:t>
+            </a:r>
+          </a:p>
+          <a:p>
+            <a:pPr lvl="0"/>
+            <a:r>
+              <a:rPr lang="zh-TW" altLang="en-US" dirty="0"/>
+              <a:t>依照使用者的選擇</a:t>
+            </a:r>
+            <a:r>
+              <a:rPr lang="en-US" dirty="0"/>
+              <a:t>1, 2</a:t>
+            </a:r>
+            <a:r>
+              <a:rPr lang="zh-TW" altLang="en-US" dirty="0"/>
+              <a:t>或者</a:t>
+            </a:r>
+            <a:r>
+              <a:rPr lang="en-US" dirty="0"/>
+              <a:t>3</a:t>
+            </a:r>
+            <a:r>
+              <a:rPr lang="zh-TW" altLang="en-US" dirty="0"/>
+              <a:t>來分類</a:t>
+            </a:r>
+            <a:endParaRPr lang="en-US" dirty="0"/>
+          </a:p>
+          <a:p>
+            <a:pPr lvl="0"/>
+            <a:r>
+              <a:rPr lang="zh-TW" altLang="en-US" dirty="0"/>
+              <a:t>若為</a:t>
+            </a:r>
+            <a:r>
+              <a:rPr lang="en-US" dirty="0"/>
+              <a:t>1</a:t>
+            </a:r>
+            <a:r>
+              <a:rPr lang="zh-TW" altLang="en-US" dirty="0"/>
+              <a:t>則進行計算</a:t>
+            </a:r>
+            <a:r>
+              <a:rPr lang="en-US" dirty="0"/>
+              <a:t>Binomial probability distribution</a:t>
+            </a:r>
+          </a:p>
+          <a:p>
+            <a:r>
+              <a:rPr lang="zh-TW" altLang="en-US" dirty="0"/>
+              <a:t>若為</a:t>
+            </a:r>
+            <a:r>
+              <a:rPr lang="en-US" dirty="0"/>
+              <a:t>2</a:t>
+            </a:r>
+            <a:r>
+              <a:rPr lang="zh-TW" altLang="en-US" dirty="0"/>
+              <a:t>則進行計算</a:t>
+            </a:r>
+            <a:r>
+              <a:rPr lang="en-US" dirty="0"/>
+              <a:t>Geometric probability distribution</a:t>
+            </a:r>
+          </a:p>
+          <a:p>
+            <a:r>
+              <a:rPr lang="zh-TW" altLang="en-US" dirty="0"/>
+              <a:t>若為</a:t>
+            </a:r>
+            <a:r>
+              <a:rPr lang="en-US" dirty="0"/>
+              <a:t>3</a:t>
+            </a:r>
+            <a:r>
+              <a:rPr lang="zh-TW" altLang="en-US" dirty="0"/>
+              <a:t>則進行計算</a:t>
+            </a:r>
+            <a:r>
+              <a:rPr lang="en-US" dirty="0"/>
+              <a:t>Exponential probability distribution</a:t>
+            </a:r>
+          </a:p>
+          <a:p>
+            <a:r>
+              <a:rPr lang="zh-TW" altLang="en-US" dirty="0"/>
+              <a:t>四、</a:t>
+            </a:r>
+            <a:r>
+              <a:rPr lang="en-US" dirty="0"/>
+              <a:t>N choose x</a:t>
+            </a:r>
+            <a:r>
+              <a:rPr lang="zh-TW" altLang="en-US" dirty="0"/>
+              <a:t>的寫法：</a:t>
+            </a:r>
+            <a:endParaRPr lang="en-US" dirty="0"/>
+          </a:p>
+          <a:p>
+            <a:r>
+              <a:rPr lang="zh-TW" altLang="en-US" dirty="0"/>
+              <a:t>在計算</a:t>
+            </a:r>
+            <a:r>
+              <a:rPr lang="en-US" dirty="0"/>
+              <a:t>binomial</a:t>
+            </a:r>
+            <a:r>
+              <a:rPr lang="zh-TW" altLang="en-US" dirty="0"/>
+              <a:t>會用到組合公式，於是我用三個</a:t>
+            </a:r>
+            <a:r>
+              <a:rPr lang="en-US" dirty="0" err="1"/>
+              <a:t>i</a:t>
+            </a:r>
+            <a:r>
+              <a:rPr lang="zh-TW" altLang="en-US" dirty="0"/>
+              <a:t>遞迴迴圈來進行</a:t>
+            </a:r>
+            <a:r>
+              <a:rPr lang="en-US" dirty="0"/>
+              <a:t>C</a:t>
+            </a:r>
+            <a:r>
+              <a:rPr lang="zh-TW" altLang="en-US" dirty="0"/>
+              <a:t>幾取幾的計算，分別算出</a:t>
+            </a:r>
+            <a:r>
+              <a:rPr lang="en-US" dirty="0"/>
+              <a:t>n!</a:t>
+            </a:r>
+            <a:r>
+              <a:rPr lang="zh-TW" altLang="en-US" dirty="0"/>
+              <a:t>，</a:t>
+            </a:r>
+            <a:r>
+              <a:rPr lang="en-US" dirty="0"/>
+              <a:t>x!</a:t>
+            </a:r>
+            <a:r>
+              <a:rPr lang="zh-TW" altLang="en-US" dirty="0"/>
+              <a:t>，</a:t>
+            </a:r>
+            <a:r>
+              <a:rPr lang="en-US" dirty="0"/>
+              <a:t>(n-x)! </a:t>
+            </a:r>
+            <a:r>
+              <a:rPr lang="zh-TW" altLang="en-US" dirty="0"/>
+              <a:t>之值再帶入方程式</a:t>
+            </a:r>
+            <a:endParaRPr lang="en-US" dirty="0"/>
+          </a:p>
+          <a:p>
+            <a:r>
+              <a:rPr lang="zh-TW" altLang="en-US" dirty="0"/>
+              <a:t>五、積分的處理：</a:t>
+            </a:r>
+            <a:endParaRPr lang="en-US" dirty="0"/>
+          </a:p>
+          <a:p>
+            <a:r>
+              <a:rPr lang="zh-TW" altLang="en-US" dirty="0"/>
+              <a:t>因為</a:t>
+            </a:r>
+            <a:r>
+              <a:rPr lang="en-US" dirty="0"/>
+              <a:t>C# </a:t>
+            </a:r>
+            <a:r>
+              <a:rPr lang="zh-TW" altLang="en-US" dirty="0"/>
+              <a:t>沒有支援強大的積分計算，因此只好手動積分算出積分式，讓參數能夠直</a:t>
+            </a:r>
+            <a:endParaRPr lang="en-US" dirty="0"/>
+          </a:p>
+          <a:p>
+            <a:r>
+              <a:rPr lang="zh-TW" altLang="en-US" dirty="0"/>
+              <a:t>接帶入算出答案</a:t>
+            </a:r>
+            <a:endParaRPr lang="en-US" dirty="0"/>
+          </a:p>
+          <a:p>
+            <a:r>
+              <a:rPr lang="en-US" dirty="0"/>
+              <a:t>              </a:t>
+            </a:r>
+            <a:r>
+              <a:rPr lang="zh-TW" altLang="en-US" dirty="0"/>
+              <a:t>六、讓使用者選擇是否要離開：</a:t>
+            </a:r>
+            <a:endParaRPr lang="en-US" dirty="0"/>
+          </a:p>
+          <a:p>
+            <a:r>
+              <a:rPr lang="en-US" dirty="0"/>
+              <a:t>                       	</a:t>
+            </a:r>
+            <a:r>
+              <a:rPr lang="zh-TW" altLang="en-US" dirty="0"/>
+              <a:t>將主要的流程包在一個</a:t>
+            </a:r>
+            <a:r>
+              <a:rPr lang="en-US" dirty="0"/>
+              <a:t>do-while</a:t>
+            </a:r>
+            <a:r>
+              <a:rPr lang="zh-TW" altLang="en-US" dirty="0"/>
+              <a:t>迴圈裏面進行，最後給使用者選擇是否要離開，離開的話則將</a:t>
+            </a:r>
+            <a:r>
+              <a:rPr lang="en-US" dirty="0"/>
+              <a:t>while</a:t>
+            </a:r>
+            <a:r>
+              <a:rPr lang="zh-TW" altLang="en-US" dirty="0"/>
+              <a:t>裏頭的</a:t>
+            </a:r>
+            <a:r>
+              <a:rPr lang="en-US" dirty="0"/>
+              <a:t>bool</a:t>
+            </a:r>
+            <a:r>
+              <a:rPr lang="zh-TW" altLang="en-US" dirty="0"/>
+              <a:t>變數改為</a:t>
+            </a:r>
+            <a:r>
+              <a:rPr lang="en-US" dirty="0"/>
+              <a:t>false</a:t>
+            </a:r>
+            <a:r>
+              <a:rPr lang="zh-TW" altLang="en-US" dirty="0"/>
+              <a:t>即可跳出迴圈。</a:t>
+            </a:r>
+            <a:endParaRPr lang="en-US" dirty="0"/>
+          </a:p>
+        </p:txBody>
+      </p:sp>
+    </p:spTree>
+    <p:extLst>
+      <p:ext uri="{BB962C8B-B14F-4D97-AF65-F5344CB8AC3E}">
+        <p14:creationId xmlns:p14="http://schemas.microsoft.com/office/powerpoint/2010/main" val="3056230375"/>
+      </p:ext>
+    </p:extLst>
+  </p:cSld>
+  <p:clrMapOvr>
+    <a:masterClrMapping/>
+  </p:clrMapOvr>
+</p:sld>
+</file>
+
+<file path=ppt/slides/slide4.xml><?xml version="1.0" encoding="utf-8"?>
+<p:sld xmlns:a="http://schemas.openxmlformats.org/drawingml/2006/main" xmlns:r="http://schemas.openxmlformats.org/officeDocument/2006/relationships" xmlns:p="http://schemas.openxmlformats.org/presentationml/2006/main">
+  <p:cSld>
+    <p:spTree>
+      <p:nvGrpSpPr>
+        <p:cNvPr id="1" name=""/>
+        <p:cNvGrpSpPr/>
+        <p:nvPr/>
+      </p:nvGrpSpPr>
+      <p:grpSpPr>
+        <a:xfrm>
+          <a:off x="0" y="0"/>
+          <a:ext cx="0" cy="0"/>
+          <a:chOff x="0" y="0"/>
+          <a:chExt cx="0" cy="0"/>
+        </a:xfrm>
+      </p:grpSpPr>
+      <p:sp>
+        <p:nvSpPr>
+          <p:cNvPr id="2" name="標題 1">
+            <a:extLst>
+              <a:ext uri="{FF2B5EF4-FFF2-40B4-BE49-F238E27FC236}">
                 <a16:creationId xmlns:a16="http://schemas.microsoft.com/office/drawing/2014/main" id="{B607B0BE-B3F4-4296-83F8-BEE70BF16755}"/>
               </a:ext>
             </a:extLst>
@@ -12742,7 +13322,7 @@
 </p:sld>
 </file>
 
-<file path=ppt/slides/slide4.xml><?xml version="1.0" encoding="utf-8"?>
+<file path=ppt/slides/slide5.xml><?xml version="1.0" encoding="utf-8"?>
 <p:sld xmlns:a="http://schemas.openxmlformats.org/drawingml/2006/main" xmlns:r="http://schemas.openxmlformats.org/officeDocument/2006/relationships" xmlns:p="http://schemas.openxmlformats.org/presentationml/2006/main">
   <p:cSld>
     <p:spTree>
@@ -12791,8 +13371,8 @@
           </a:p>
         </p:txBody>
       </p:sp>
-      <mc:AlternateContent xmlns:mc="http://schemas.openxmlformats.org/markup-compatibility/2006">
-        <mc:Choice xmlns:a14="http://schemas.microsoft.com/office/drawing/2010/main" Requires="a14">
+      <mc:AlternateContent xmlns:mc="http://schemas.openxmlformats.org/markup-compatibility/2006" xmlns:a14="http://schemas.microsoft.com/office/drawing/2010/main">
+        <mc:Choice Requires="a14">
           <p:sp>
             <p:nvSpPr>
               <p:cNvPr id="3" name="內容版面配置區 2">
@@ -12954,7 +13534,7 @@
             </p:txBody>
           </p:sp>
         </mc:Choice>
-        <mc:Fallback>
+        <mc:Fallback xmlns="">
           <p:sp>
             <p:nvSpPr>
               <p:cNvPr id="3" name="內容版面配置區 2">
@@ -13037,7 +13617,7 @@
 </p:sld>
 </file>
 
-<file path=ppt/slides/slide5.xml><?xml version="1.0" encoding="utf-8"?>
+<file path=ppt/slides/slide6.xml><?xml version="1.0" encoding="utf-8"?>
 <p:sld xmlns:a="http://schemas.openxmlformats.org/drawingml/2006/main" xmlns:r="http://schemas.openxmlformats.org/officeDocument/2006/relationships" xmlns:p="http://schemas.openxmlformats.org/presentationml/2006/main">
   <p:cSld>
     <p:spTree>
@@ -13261,7 +13841,7 @@
 </p:sld>
 </file>
 
-<file path=ppt/slides/slide6.xml><?xml version="1.0" encoding="utf-8"?>
+<file path=ppt/slides/slide7.xml><?xml version="1.0" encoding="utf-8"?>
 <p:sld xmlns:a="http://schemas.openxmlformats.org/drawingml/2006/main" xmlns:r="http://schemas.openxmlformats.org/officeDocument/2006/relationships" xmlns:p="http://schemas.openxmlformats.org/presentationml/2006/main">
   <p:cSld>
     <p:spTree>
@@ -13452,7 +14032,7 @@
 </p:sld>
 </file>
 
-<file path=ppt/slides/slide7.xml><?xml version="1.0" encoding="utf-8"?>
+<file path=ppt/slides/slide8.xml><?xml version="1.0" encoding="utf-8"?>
 <p:sld xmlns:a="http://schemas.openxmlformats.org/drawingml/2006/main" xmlns:r="http://schemas.openxmlformats.org/officeDocument/2006/relationships" xmlns:p="http://schemas.openxmlformats.org/presentationml/2006/main">
   <p:cSld>
     <p:spTree>
@@ -13654,6 +14234,154 @@
     <p:extLst>
       <p:ext uri="{BB962C8B-B14F-4D97-AF65-F5344CB8AC3E}">
         <p14:creationId xmlns:p14="http://schemas.microsoft.com/office/powerpoint/2010/main" val="1990459595"/>
+      </p:ext>
+    </p:extLst>
+  </p:cSld>
+  <p:clrMapOvr>
+    <a:masterClrMapping/>
+  </p:clrMapOvr>
+</p:sld>
+</file>
+
+<file path=ppt/slides/slide9.xml><?xml version="1.0" encoding="utf-8"?>
+<p:sld xmlns:a="http://schemas.openxmlformats.org/drawingml/2006/main" xmlns:r="http://schemas.openxmlformats.org/officeDocument/2006/relationships" xmlns:p="http://schemas.openxmlformats.org/presentationml/2006/main">
+  <p:cSld>
+    <p:spTree>
+      <p:nvGrpSpPr>
+        <p:cNvPr id="1" name=""/>
+        <p:cNvGrpSpPr/>
+        <p:nvPr/>
+      </p:nvGrpSpPr>
+      <p:grpSpPr>
+        <a:xfrm>
+          <a:off x="0" y="0"/>
+          <a:ext cx="0" cy="0"/>
+          <a:chOff x="0" y="0"/>
+          <a:chExt cx="0" cy="0"/>
+        </a:xfrm>
+      </p:grpSpPr>
+      <p:sp>
+        <p:nvSpPr>
+          <p:cNvPr id="2" name="標題 1">
+            <a:extLst>
+              <a:ext uri="{FF2B5EF4-FFF2-40B4-BE49-F238E27FC236}">
+                <a16:creationId xmlns:a16="http://schemas.microsoft.com/office/drawing/2014/main" id="{B48F89AA-CB07-4B48-9121-3D5AC22E08D9}"/>
+              </a:ext>
+            </a:extLst>
+          </p:cNvPr>
+          <p:cNvSpPr>
+            <a:spLocks noGrp="1"/>
+          </p:cNvSpPr>
+          <p:nvPr>
+            <p:ph type="title"/>
+          </p:nvPr>
+        </p:nvSpPr>
+        <p:spPr/>
+        <p:txBody>
+          <a:bodyPr/>
+          <a:lstStyle/>
+          <a:p>
+            <a:r>
+              <a:rPr lang="zh-TW" altLang="en-US" dirty="0"/>
+              <a:t>程式結果</a:t>
+            </a:r>
+            <a:endParaRPr lang="en-US" dirty="0"/>
+          </a:p>
+        </p:txBody>
+      </p:sp>
+      <p:sp>
+        <p:nvSpPr>
+          <p:cNvPr id="3" name="內容版面配置區 2">
+            <a:extLst>
+              <a:ext uri="{FF2B5EF4-FFF2-40B4-BE49-F238E27FC236}">
+                <a16:creationId xmlns:a16="http://schemas.microsoft.com/office/drawing/2014/main" id="{C87FB984-5F52-4FEE-8A7C-019149A3AB2F}"/>
+              </a:ext>
+            </a:extLst>
+          </p:cNvPr>
+          <p:cNvSpPr>
+            <a:spLocks noGrp="1"/>
+          </p:cNvSpPr>
+          <p:nvPr>
+            <p:ph idx="1"/>
+          </p:nvPr>
+        </p:nvSpPr>
+        <p:spPr/>
+        <p:txBody>
+          <a:bodyPr/>
+          <a:lstStyle/>
+          <a:p>
+            <a:r>
+              <a:rPr lang="zh-TW" altLang="en-US" dirty="0"/>
+              <a:t>一、 輸入想處理的機率模型</a:t>
+            </a:r>
+            <a:br>
+              <a:rPr lang="en-US" dirty="0"/>
+            </a:br>
+            <a:r>
+              <a:rPr lang="en-US" dirty="0"/>
+              <a:t>1</a:t>
+            </a:r>
+            <a:br>
+              <a:rPr lang="en-US" dirty="0"/>
+            </a:br>
+            <a:r>
+              <a:rPr lang="zh-TW" altLang="en-US" dirty="0"/>
+              <a:t>請輸入三個參數</a:t>
+            </a:r>
+            <a:r>
+              <a:rPr lang="en-US" dirty="0"/>
+              <a:t> </a:t>
+            </a:r>
+            <a:r>
+              <a:rPr lang="en-US" dirty="0" err="1"/>
+              <a:t>n,p,x</a:t>
+            </a:r>
+            <a:br>
+              <a:rPr lang="en-US" dirty="0"/>
+            </a:br>
+            <a:r>
+              <a:rPr lang="en-US" dirty="0"/>
+              <a:t>10 0.3 6</a:t>
+            </a:r>
+            <a:br>
+              <a:rPr lang="en-US" dirty="0"/>
+            </a:br>
+            <a:r>
+              <a:rPr lang="zh-TW" altLang="en-US" dirty="0"/>
+              <a:t>此函數的機率為</a:t>
+            </a:r>
+            <a:r>
+              <a:rPr lang="en-US" dirty="0"/>
+              <a:t>0.03675690899999999</a:t>
+            </a:r>
+            <a:br>
+              <a:rPr lang="en-US" dirty="0"/>
+            </a:br>
+            <a:r>
+              <a:rPr lang="zh-TW" altLang="en-US" dirty="0"/>
+              <a:t>是否要離開</a:t>
+            </a:r>
+            <a:r>
+              <a:rPr lang="en-US" dirty="0"/>
+              <a:t>? Type Yes to leave</a:t>
+            </a:r>
+            <a:br>
+              <a:rPr lang="en-US" dirty="0"/>
+            </a:br>
+            <a:r>
+              <a:rPr lang="en-US" dirty="0"/>
+              <a:t>Yes</a:t>
+            </a:r>
+          </a:p>
+          <a:p>
+            <a:endParaRPr lang="en-US" dirty="0"/>
+          </a:p>
+        </p:txBody>
+      </p:sp>
+    </p:spTree>
+    <p:extLst>
+      <p:ext uri="{BB962C8B-B14F-4D97-AF65-F5344CB8AC3E}">
+        <p14:creationId xmlns:p14="http://schemas.microsoft.com/office/powerpoint/2010/main" val="3466158589"/>
       </p:ext>
     </p:extLst>
   </p:cSld>
